--- a/Slides/PLFinalProjectSlides.pptx
+++ b/Slides/PLFinalProjectSlides.pptx
@@ -119,6 +119,11 @@
       </a:defRPr>
     </a:lvl9pPr>
   </p:defaultTextStyle>
+  <p:extLst>
+    <p:ext uri="{EFAFB233-063F-42B5-8137-9DF3F51BA10A}">
+      <p15:sldGuideLst xmlns:p15="http://schemas.microsoft.com/office/powerpoint/2012/main"/>
+    </p:ext>
+  </p:extLst>
 </p:presentation>
 </file>
 
@@ -167,7 +172,6 @@
               <a:rPr lang="en-US"/>
               <a:t>Click to edit Master title style</a:t>
             </a:r>
-            <a:endParaRPr lang="en-US"/>
           </a:p>
         </p:txBody>
       </p:sp>
@@ -232,7 +236,6 @@
               <a:rPr lang="en-US"/>
               <a:t>Click to edit Master subtitle style</a:t>
             </a:r>
-            <a:endParaRPr lang="en-US"/>
           </a:p>
         </p:txBody>
       </p:sp>
@@ -350,7 +353,6 @@
               <a:rPr lang="en-US"/>
               <a:t>Click to edit Master title style</a:t>
             </a:r>
-            <a:endParaRPr lang="en-US"/>
           </a:p>
         </p:txBody>
       </p:sp>
@@ -402,7 +404,6 @@
               <a:rPr lang="en-US"/>
               <a:t>Fifth level</a:t>
             </a:r>
-            <a:endParaRPr lang="en-US"/>
           </a:p>
         </p:txBody>
       </p:sp>
@@ -525,7 +526,6 @@
               <a:rPr lang="en-US"/>
               <a:t>Click to edit Master title style</a:t>
             </a:r>
-            <a:endParaRPr lang="en-US"/>
           </a:p>
         </p:txBody>
       </p:sp>
@@ -582,7 +582,6 @@
               <a:rPr lang="en-US"/>
               <a:t>Fifth level</a:t>
             </a:r>
-            <a:endParaRPr lang="en-US"/>
           </a:p>
         </p:txBody>
       </p:sp>
@@ -700,7 +699,6 @@
               <a:rPr lang="en-US"/>
               <a:t>Click to edit Master title style</a:t>
             </a:r>
-            <a:endParaRPr lang="en-US"/>
           </a:p>
         </p:txBody>
       </p:sp>
@@ -752,7 +750,6 @@
               <a:rPr lang="en-US"/>
               <a:t>Fifth level</a:t>
             </a:r>
-            <a:endParaRPr lang="en-US"/>
           </a:p>
         </p:txBody>
       </p:sp>
@@ -879,7 +876,6 @@
               <a:rPr lang="en-US"/>
               <a:t>Click to edit Master title style</a:t>
             </a:r>
-            <a:endParaRPr lang="en-US"/>
           </a:p>
         </p:txBody>
       </p:sp>
@@ -1116,7 +1112,6 @@
               <a:rPr lang="en-US"/>
               <a:t>Click to edit Master title style</a:t>
             </a:r>
-            <a:endParaRPr lang="en-US"/>
           </a:p>
         </p:txBody>
       </p:sp>
@@ -1173,7 +1168,6 @@
               <a:rPr lang="en-US"/>
               <a:t>Fifth level</a:t>
             </a:r>
-            <a:endParaRPr lang="en-US"/>
           </a:p>
         </p:txBody>
       </p:sp>
@@ -1230,7 +1224,6 @@
               <a:rPr lang="en-US"/>
               <a:t>Fifth level</a:t>
             </a:r>
-            <a:endParaRPr lang="en-US"/>
           </a:p>
         </p:txBody>
       </p:sp>
@@ -1353,7 +1346,6 @@
               <a:rPr lang="en-US"/>
               <a:t>Click to edit Master title style</a:t>
             </a:r>
-            <a:endParaRPr lang="en-US"/>
           </a:p>
         </p:txBody>
       </p:sp>
@@ -1475,7 +1467,6 @@
               <a:rPr lang="en-US"/>
               <a:t>Fifth level</a:t>
             </a:r>
-            <a:endParaRPr lang="en-US"/>
           </a:p>
         </p:txBody>
       </p:sp>
@@ -1597,7 +1588,6 @@
               <a:rPr lang="en-US"/>
               <a:t>Fifth level</a:t>
             </a:r>
-            <a:endParaRPr lang="en-US"/>
           </a:p>
         </p:txBody>
       </p:sp>
@@ -1715,7 +1705,6 @@
               <a:rPr lang="en-US"/>
               <a:t>Click to edit Master title style</a:t>
             </a:r>
-            <a:endParaRPr lang="en-US"/>
           </a:p>
         </p:txBody>
       </p:sp>
@@ -1937,7 +1926,6 @@
               <a:rPr lang="en-US"/>
               <a:t>Click to edit Master title style</a:t>
             </a:r>
-            <a:endParaRPr lang="en-US"/>
           </a:p>
         </p:txBody>
       </p:sp>
@@ -2022,7 +2010,6 @@
               <a:rPr lang="en-US"/>
               <a:t>Fifth level</a:t>
             </a:r>
-            <a:endParaRPr lang="en-US"/>
           </a:p>
         </p:txBody>
       </p:sp>
@@ -2214,7 +2201,6 @@
               <a:rPr lang="en-US"/>
               <a:t>Click to edit Master title style</a:t>
             </a:r>
-            <a:endParaRPr lang="en-US"/>
           </a:p>
         </p:txBody>
       </p:sp>
@@ -2473,7 +2459,6 @@
               <a:rPr lang="en-US"/>
               <a:t>Click to edit Master title style</a:t>
             </a:r>
-            <a:endParaRPr lang="en-US"/>
           </a:p>
         </p:txBody>
       </p:sp>
@@ -2535,7 +2520,6 @@
               <a:rPr lang="en-US"/>
               <a:t>Fifth level</a:t>
             </a:r>
-            <a:endParaRPr lang="en-US"/>
           </a:p>
         </p:txBody>
       </p:sp>
@@ -4318,6 +4302,26 @@
               <a:t> code and lis.py has no unused parse code.</a:t>
             </a:r>
           </a:p>
+          <a:p>
+            <a:pPr marL="0" indent="0">
+              <a:buNone/>
+            </a:pPr>
+            <a:endParaRPr lang="en-US" dirty="0"/>
+          </a:p>
+          <a:p>
+            <a:pPr marL="0" indent="0">
+              <a:buNone/>
+            </a:pPr>
+            <a:r>
+              <a:rPr lang="en-US" dirty="0"/>
+              <a:t>*seen in </a:t>
+            </a:r>
+            <a:r>
+              <a:rPr lang="en-US"/>
+              <a:t>Part4and5 version of mini-lisp</a:t>
+            </a:r>
+            <a:endParaRPr lang="en-US" dirty="0"/>
+          </a:p>
         </p:txBody>
       </p:sp>
     </p:spTree>
